--- a/draw.pptx
+++ b/draw.pptx
@@ -6,7 +6,6 @@
   </p:sldMasterIdLst>
   <p:sldIdLst>
     <p:sldId id="256" r:id="rId2"/>
-    <p:sldId id="257" r:id="rId3"/>
   </p:sldIdLst>
   <p:sldSz cx="12192000" cy="6858000"/>
   <p:notesSz cx="6858000" cy="9144000"/>
@@ -105,6 +104,11 @@
       </a:defRPr>
     </a:lvl9pPr>
   </p:defaultTextStyle>
+  <p:extLst>
+    <p:ext uri="{EFAFB233-063F-42B5-8137-9DF3F51BA10A}">
+      <p15:sldGuideLst xmlns:p15="http://schemas.microsoft.com/office/powerpoint/2012/main"/>
+    </p:ext>
+  </p:extLst>
 </p:presentation>
 </file>
 
@@ -255,7 +259,7 @@
           <a:p>
             <a:fld id="{306D79BA-6278-4277-9606-352F90DDD7B4}" type="datetimeFigureOut">
               <a:rPr lang="zh-CN" altLang="en-US" smtClean="0"/>
-              <a:t>2020/12/30</a:t>
+              <a:t>2021/1/3</a:t>
             </a:fld>
             <a:endParaRPr lang="zh-CN" altLang="en-US"/>
           </a:p>
@@ -453,7 +457,7 @@
           <a:p>
             <a:fld id="{306D79BA-6278-4277-9606-352F90DDD7B4}" type="datetimeFigureOut">
               <a:rPr lang="zh-CN" altLang="en-US" smtClean="0"/>
-              <a:t>2020/12/30</a:t>
+              <a:t>2021/1/3</a:t>
             </a:fld>
             <a:endParaRPr lang="zh-CN" altLang="en-US"/>
           </a:p>
@@ -661,7 +665,7 @@
           <a:p>
             <a:fld id="{306D79BA-6278-4277-9606-352F90DDD7B4}" type="datetimeFigureOut">
               <a:rPr lang="zh-CN" altLang="en-US" smtClean="0"/>
-              <a:t>2020/12/30</a:t>
+              <a:t>2021/1/3</a:t>
             </a:fld>
             <a:endParaRPr lang="zh-CN" altLang="en-US"/>
           </a:p>
@@ -859,7 +863,7 @@
           <a:p>
             <a:fld id="{306D79BA-6278-4277-9606-352F90DDD7B4}" type="datetimeFigureOut">
               <a:rPr lang="zh-CN" altLang="en-US" smtClean="0"/>
-              <a:t>2020/12/30</a:t>
+              <a:t>2021/1/3</a:t>
             </a:fld>
             <a:endParaRPr lang="zh-CN" altLang="en-US"/>
           </a:p>
@@ -1134,7 +1138,7 @@
           <a:p>
             <a:fld id="{306D79BA-6278-4277-9606-352F90DDD7B4}" type="datetimeFigureOut">
               <a:rPr lang="zh-CN" altLang="en-US" smtClean="0"/>
-              <a:t>2020/12/30</a:t>
+              <a:t>2021/1/3</a:t>
             </a:fld>
             <a:endParaRPr lang="zh-CN" altLang="en-US"/>
           </a:p>
@@ -1399,7 +1403,7 @@
           <a:p>
             <a:fld id="{306D79BA-6278-4277-9606-352F90DDD7B4}" type="datetimeFigureOut">
               <a:rPr lang="zh-CN" altLang="en-US" smtClean="0"/>
-              <a:t>2020/12/30</a:t>
+              <a:t>2021/1/3</a:t>
             </a:fld>
             <a:endParaRPr lang="zh-CN" altLang="en-US"/>
           </a:p>
@@ -1811,7 +1815,7 @@
           <a:p>
             <a:fld id="{306D79BA-6278-4277-9606-352F90DDD7B4}" type="datetimeFigureOut">
               <a:rPr lang="zh-CN" altLang="en-US" smtClean="0"/>
-              <a:t>2020/12/30</a:t>
+              <a:t>2021/1/3</a:t>
             </a:fld>
             <a:endParaRPr lang="zh-CN" altLang="en-US"/>
           </a:p>
@@ -1952,7 +1956,7 @@
           <a:p>
             <a:fld id="{306D79BA-6278-4277-9606-352F90DDD7B4}" type="datetimeFigureOut">
               <a:rPr lang="zh-CN" altLang="en-US" smtClean="0"/>
-              <a:t>2020/12/30</a:t>
+              <a:t>2021/1/3</a:t>
             </a:fld>
             <a:endParaRPr lang="zh-CN" altLang="en-US"/>
           </a:p>
@@ -2065,7 +2069,7 @@
           <a:p>
             <a:fld id="{306D79BA-6278-4277-9606-352F90DDD7B4}" type="datetimeFigureOut">
               <a:rPr lang="zh-CN" altLang="en-US" smtClean="0"/>
-              <a:t>2020/12/30</a:t>
+              <a:t>2021/1/3</a:t>
             </a:fld>
             <a:endParaRPr lang="zh-CN" altLang="en-US"/>
           </a:p>
@@ -2376,7 +2380,7 @@
           <a:p>
             <a:fld id="{306D79BA-6278-4277-9606-352F90DDD7B4}" type="datetimeFigureOut">
               <a:rPr lang="zh-CN" altLang="en-US" smtClean="0"/>
-              <a:t>2020/12/30</a:t>
+              <a:t>2021/1/3</a:t>
             </a:fld>
             <a:endParaRPr lang="zh-CN" altLang="en-US"/>
           </a:p>
@@ -2664,7 +2668,7 @@
           <a:p>
             <a:fld id="{306D79BA-6278-4277-9606-352F90DDD7B4}" type="datetimeFigureOut">
               <a:rPr lang="zh-CN" altLang="en-US" smtClean="0"/>
-              <a:t>2020/12/30</a:t>
+              <a:t>2021/1/3</a:t>
             </a:fld>
             <a:endParaRPr lang="zh-CN" altLang="en-US"/>
           </a:p>
@@ -2905,7 +2909,7 @@
           <a:p>
             <a:fld id="{306D79BA-6278-4277-9606-352F90DDD7B4}" type="datetimeFigureOut">
               <a:rPr lang="zh-CN" altLang="en-US" smtClean="0"/>
-              <a:t>2020/12/30</a:t>
+              <a:t>2021/1/3</a:t>
             </a:fld>
             <a:endParaRPr lang="zh-CN" altLang="en-US"/>
           </a:p>
@@ -3322,92 +3326,12 @@
           <a:chExt cx="0" cy="0"/>
         </a:xfrm>
       </p:grpSpPr>
-      <p:sp>
-        <p:nvSpPr>
-          <p:cNvPr id="2" name="标题 1">
-            <a:extLst>
-              <a:ext uri="{FF2B5EF4-FFF2-40B4-BE49-F238E27FC236}">
-                <a16:creationId xmlns:a16="http://schemas.microsoft.com/office/drawing/2014/main" id="{EC14E4E7-3276-4E95-9546-9E14606509A6}"/>
-              </a:ext>
-            </a:extLst>
-          </p:cNvPr>
-          <p:cNvSpPr>
-            <a:spLocks noGrp="1"/>
-          </p:cNvSpPr>
-          <p:nvPr>
-            <p:ph type="ctrTitle"/>
-          </p:nvPr>
-        </p:nvSpPr>
-        <p:spPr/>
-        <p:txBody>
-          <a:bodyPr/>
-          <a:lstStyle/>
-          <a:p>
-            <a:endParaRPr lang="zh-CN" altLang="en-US"/>
-          </a:p>
-        </p:txBody>
-      </p:sp>
-      <p:sp>
-        <p:nvSpPr>
-          <p:cNvPr id="3" name="副标题 2">
-            <a:extLst>
-              <a:ext uri="{FF2B5EF4-FFF2-40B4-BE49-F238E27FC236}">
-                <a16:creationId xmlns:a16="http://schemas.microsoft.com/office/drawing/2014/main" id="{502E19C2-0F3D-4B7E-AB66-78514ABD7219}"/>
-              </a:ext>
-            </a:extLst>
-          </p:cNvPr>
-          <p:cNvSpPr>
-            <a:spLocks noGrp="1"/>
-          </p:cNvSpPr>
-          <p:nvPr>
-            <p:ph type="subTitle" idx="1"/>
-          </p:nvPr>
-        </p:nvSpPr>
-        <p:spPr/>
-        <p:txBody>
-          <a:bodyPr/>
-          <a:lstStyle/>
-          <a:p>
-            <a:endParaRPr lang="zh-CN" altLang="en-US"/>
-          </a:p>
-        </p:txBody>
-      </p:sp>
-    </p:spTree>
-    <p:extLst>
-      <p:ext uri="{BB962C8B-B14F-4D97-AF65-F5344CB8AC3E}">
-        <p14:creationId xmlns:p14="http://schemas.microsoft.com/office/powerpoint/2010/main" val="63398475"/>
-      </p:ext>
-    </p:extLst>
-  </p:cSld>
-  <p:clrMapOvr>
-    <a:masterClrMapping/>
-  </p:clrMapOvr>
-</p:sld>
-</file>
-
-<file path=ppt/slides/slide2.xml><?xml version="1.0" encoding="utf-8"?>
-<p:sld xmlns:a="http://schemas.openxmlformats.org/drawingml/2006/main" xmlns:r="http://schemas.openxmlformats.org/officeDocument/2006/relationships" xmlns:p="http://schemas.openxmlformats.org/presentationml/2006/main">
-  <p:cSld>
-    <p:spTree>
-      <p:nvGrpSpPr>
-        <p:cNvPr id="1" name=""/>
-        <p:cNvGrpSpPr/>
-        <p:nvPr/>
-      </p:nvGrpSpPr>
-      <p:grpSpPr>
-        <a:xfrm>
-          <a:off x="0" y="0"/>
-          <a:ext cx="0" cy="0"/>
-          <a:chOff x="0" y="0"/>
-          <a:chExt cx="0" cy="0"/>
-        </a:xfrm>
-      </p:grpSpPr>
       <p:grpSp>
         <p:nvGrpSpPr>
-          <p:cNvPr id="75" name="组合 74">
-            <a:extLst>
-              <a:ext uri="{FF2B5EF4-FFF2-40B4-BE49-F238E27FC236}">
-                <a16:creationId xmlns:a16="http://schemas.microsoft.com/office/drawing/2014/main" id="{D87E871A-781A-4273-9B14-6830517F94BE}"/>
+          <p:cNvPr id="4" name="组合 3">
+            <a:extLst>
+              <a:ext uri="{FF2B5EF4-FFF2-40B4-BE49-F238E27FC236}">
+                <a16:creationId xmlns:a16="http://schemas.microsoft.com/office/drawing/2014/main" id="{E20C1C7E-0CD4-487F-828D-6CA738785066}"/>
               </a:ext>
             </a:extLst>
           </p:cNvPr>
@@ -3416,100 +3340,90 @@
         </p:nvGrpSpPr>
         <p:grpSpPr>
           <a:xfrm>
-            <a:off x="2570570" y="653534"/>
-            <a:ext cx="2797240" cy="2775467"/>
-            <a:chOff x="2570570" y="653534"/>
-            <a:chExt cx="2797240" cy="2775467"/>
+            <a:off x="4558019" y="1895065"/>
+            <a:ext cx="2666300" cy="1467373"/>
+            <a:chOff x="4558019" y="1896611"/>
+            <a:chExt cx="2666300" cy="1467373"/>
           </a:xfrm>
         </p:grpSpPr>
-        <p:cxnSp>
-          <p:nvCxnSpPr>
-            <p:cNvPr id="5" name="直接箭头连接符 4">
+        <p:pic>
+          <p:nvPicPr>
+            <p:cNvPr id="5" name="图片 4">
               <a:extLst>
                 <a:ext uri="{FF2B5EF4-FFF2-40B4-BE49-F238E27FC236}">
-                  <a16:creationId xmlns:a16="http://schemas.microsoft.com/office/drawing/2014/main" id="{3057ACB9-81EF-4C5E-AB68-DBEF3C7DE13C}"/>
+                  <a16:creationId xmlns:a16="http://schemas.microsoft.com/office/drawing/2014/main" id="{0AFCD49B-C23D-4AC5-96ED-F2D511780931}"/>
                 </a:ext>
               </a:extLst>
             </p:cNvPr>
-            <p:cNvCxnSpPr>
-              <a:cxnSpLocks/>
-            </p:cNvCxnSpPr>
+            <p:cNvPicPr>
+              <a:picLocks noChangeAspect="1"/>
+            </p:cNvPicPr>
             <p:nvPr/>
-          </p:nvCxnSpPr>
+          </p:nvPicPr>
+          <p:blipFill>
+            <a:blip r:embed="rId2">
+              <a:extLst>
+                <a:ext uri="{28A0092B-C50C-407E-A947-70E740481C1C}">
+                  <a14:useLocalDpi xmlns:a14="http://schemas.microsoft.com/office/drawing/2010/main" val="0"/>
+                </a:ext>
+              </a:extLst>
+            </a:blip>
+            <a:stretch>
+              <a:fillRect/>
+            </a:stretch>
+          </p:blipFill>
           <p:spPr>
-            <a:xfrm flipV="1">
-              <a:off x="2929077" y="838200"/>
-              <a:ext cx="0" cy="2590801"/>
+            <a:xfrm>
+              <a:off x="4558019" y="1896611"/>
+              <a:ext cx="1219200" cy="1219200"/>
             </a:xfrm>
-            <a:prstGeom prst="straightConnector1">
+            <a:prstGeom prst="rect">
               <a:avLst/>
             </a:prstGeom>
-            <a:ln w="28575">
-              <a:tailEnd type="triangle"/>
-            </a:ln>
           </p:spPr>
-          <p:style>
-            <a:lnRef idx="1">
-              <a:schemeClr val="dk1"/>
-            </a:lnRef>
-            <a:fillRef idx="0">
-              <a:schemeClr val="dk1"/>
-            </a:fillRef>
-            <a:effectRef idx="0">
-              <a:schemeClr val="dk1"/>
-            </a:effectRef>
-            <a:fontRef idx="minor">
-              <a:schemeClr val="tx1"/>
-            </a:fontRef>
-          </p:style>
-        </p:cxnSp>
-        <p:cxnSp>
-          <p:nvCxnSpPr>
-            <p:cNvPr id="6" name="直接箭头连接符 5">
+        </p:pic>
+        <p:pic>
+          <p:nvPicPr>
+            <p:cNvPr id="6" name="图片 5">
               <a:extLst>
                 <a:ext uri="{FF2B5EF4-FFF2-40B4-BE49-F238E27FC236}">
-                  <a16:creationId xmlns:a16="http://schemas.microsoft.com/office/drawing/2014/main" id="{FF9930F6-D780-4FDA-B2F2-9DC772A65119}"/>
+                  <a16:creationId xmlns:a16="http://schemas.microsoft.com/office/drawing/2014/main" id="{5052E29A-3935-4512-8ABA-DACE7895041E}"/>
                 </a:ext>
               </a:extLst>
             </p:cNvPr>
-            <p:cNvCxnSpPr>
-              <a:cxnSpLocks/>
-            </p:cNvCxnSpPr>
+            <p:cNvPicPr>
+              <a:picLocks noChangeAspect="1"/>
+            </p:cNvPicPr>
             <p:nvPr/>
-          </p:nvCxnSpPr>
+          </p:nvPicPr>
+          <p:blipFill>
+            <a:blip r:embed="rId3">
+              <a:extLst>
+                <a:ext uri="{28A0092B-C50C-407E-A947-70E740481C1C}">
+                  <a14:useLocalDpi xmlns:a14="http://schemas.microsoft.com/office/drawing/2010/main" val="0"/>
+                </a:ext>
+              </a:extLst>
+            </a:blip>
+            <a:stretch>
+              <a:fillRect/>
+            </a:stretch>
+          </p:blipFill>
           <p:spPr>
             <a:xfrm>
-              <a:off x="2653638" y="3091723"/>
-              <a:ext cx="2455258" cy="0"/>
+              <a:off x="6005119" y="1896611"/>
+              <a:ext cx="1219200" cy="1219200"/>
             </a:xfrm>
-            <a:prstGeom prst="straightConnector1">
+            <a:prstGeom prst="rect">
               <a:avLst/>
             </a:prstGeom>
-            <a:ln w="28575">
-              <a:tailEnd type="triangle"/>
-            </a:ln>
           </p:spPr>
-          <p:style>
-            <a:lnRef idx="1">
-              <a:schemeClr val="dk1"/>
-            </a:lnRef>
-            <a:fillRef idx="0">
-              <a:schemeClr val="dk1"/>
-            </a:fillRef>
-            <a:effectRef idx="0">
-              <a:schemeClr val="dk1"/>
-            </a:effectRef>
-            <a:fontRef idx="minor">
-              <a:schemeClr val="tx1"/>
-            </a:fontRef>
-          </p:style>
-        </p:cxnSp>
+        </p:pic>
         <p:sp>
           <p:nvSpPr>
-            <p:cNvPr id="15" name="文本框 14">
+            <p:cNvPr id="7" name="文本框 6">
               <a:extLst>
                 <a:ext uri="{FF2B5EF4-FFF2-40B4-BE49-F238E27FC236}">
-                  <a16:creationId xmlns:a16="http://schemas.microsoft.com/office/drawing/2014/main" id="{36718054-F602-426E-9792-7A2C158C09E0}"/>
+                  <a16:creationId xmlns:a16="http://schemas.microsoft.com/office/drawing/2014/main" id="{A7F52253-63AF-47CF-8A9D-4C6EBEEAD07D}"/>
                 </a:ext>
               </a:extLst>
             </p:cNvPr>
@@ -3518,8 +3432,8 @@
           </p:nvSpPr>
           <p:spPr>
             <a:xfrm>
-              <a:off x="2639577" y="3047463"/>
-              <a:ext cx="209718" cy="369332"/>
+              <a:off x="4878897" y="3110068"/>
+              <a:ext cx="872455" cy="253916"/>
             </a:xfrm>
             <a:prstGeom prst="rect">
               <a:avLst/>
@@ -3533,25 +3447,21 @@
             <a:lstStyle/>
             <a:p>
               <a:r>
-                <a:rPr lang="en-US" altLang="zh-CN" i="1" dirty="0">
-                  <a:latin typeface="Times New Roman" panose="02020603050405020304" pitchFamily="18" charset="0"/>
-                  <a:cs typeface="Times New Roman" panose="02020603050405020304" pitchFamily="18" charset="0"/>
+                <a:rPr lang="zh-CN" altLang="en-US" sz="1050" dirty="0">
+                  <a:latin typeface="宋体" panose="02010600030101010101" pitchFamily="2" charset="-122"/>
+                  <a:ea typeface="宋体" panose="02010600030101010101" pitchFamily="2" charset="-122"/>
                 </a:rPr>
-                <a:t>O</a:t>
+                <a:t>输入图像</a:t>
               </a:r>
-              <a:endParaRPr lang="zh-CN" altLang="en-US" i="1" dirty="0">
-                <a:latin typeface="Times New Roman" panose="02020603050405020304" pitchFamily="18" charset="0"/>
-                <a:cs typeface="Times New Roman" panose="02020603050405020304" pitchFamily="18" charset="0"/>
-              </a:endParaRPr>
             </a:p>
           </p:txBody>
         </p:sp>
         <p:sp>
           <p:nvSpPr>
-            <p:cNvPr id="16" name="文本框 15">
+            <p:cNvPr id="8" name="文本框 7">
               <a:extLst>
                 <a:ext uri="{FF2B5EF4-FFF2-40B4-BE49-F238E27FC236}">
-                  <a16:creationId xmlns:a16="http://schemas.microsoft.com/office/drawing/2014/main" id="{03AFDE29-ADD4-4178-9CE3-F767133C28CA}"/>
+                  <a16:creationId xmlns:a16="http://schemas.microsoft.com/office/drawing/2014/main" id="{AE62434F-5ED1-4034-AF2B-B41EB5415699}"/>
                 </a:ext>
               </a:extLst>
             </p:cNvPr>
@@ -3560,8 +3470,8 @@
           </p:nvSpPr>
           <p:spPr>
             <a:xfrm>
-              <a:off x="2639577" y="653534"/>
-              <a:ext cx="209718" cy="369332"/>
+              <a:off x="6284752" y="3110068"/>
+              <a:ext cx="872455" cy="253916"/>
             </a:xfrm>
             <a:prstGeom prst="rect">
               <a:avLst/>
@@ -3575,25 +3485,114 @@
             <a:lstStyle/>
             <a:p>
               <a:r>
-                <a:rPr lang="en-US" altLang="zh-CN" i="1" dirty="0">
-                  <a:latin typeface="Times New Roman" panose="02020603050405020304" pitchFamily="18" charset="0"/>
-                  <a:cs typeface="Times New Roman" panose="02020603050405020304" pitchFamily="18" charset="0"/>
+                <a:rPr lang="zh-CN" altLang="en-US" sz="1050" dirty="0">
+                  <a:latin typeface="宋体" panose="02010600030101010101" pitchFamily="2" charset="-122"/>
+                  <a:ea typeface="宋体" panose="02010600030101010101" pitchFamily="2" charset="-122"/>
                 </a:rPr>
-                <a:t>y</a:t>
+                <a:t>输出边缘</a:t>
               </a:r>
-              <a:endParaRPr lang="zh-CN" altLang="en-US" i="1" dirty="0">
-                <a:latin typeface="Times New Roman" panose="02020603050405020304" pitchFamily="18" charset="0"/>
-                <a:cs typeface="Times New Roman" panose="02020603050405020304" pitchFamily="18" charset="0"/>
-              </a:endParaRPr>
             </a:p>
           </p:txBody>
         </p:sp>
+      </p:grpSp>
+      <p:grpSp>
+        <p:nvGrpSpPr>
+          <p:cNvPr id="17" name="组合 16">
+            <a:extLst>
+              <a:ext uri="{FF2B5EF4-FFF2-40B4-BE49-F238E27FC236}">
+                <a16:creationId xmlns:a16="http://schemas.microsoft.com/office/drawing/2014/main" id="{B2773897-8AE1-416A-BB98-A3332EB128BD}"/>
+              </a:ext>
+            </a:extLst>
+          </p:cNvPr>
+          <p:cNvGrpSpPr/>
+          <p:nvPr/>
+        </p:nvGrpSpPr>
+        <p:grpSpPr>
+          <a:xfrm>
+            <a:off x="4558019" y="3616354"/>
+            <a:ext cx="2666300" cy="1473116"/>
+            <a:chOff x="4558019" y="3616354"/>
+            <a:chExt cx="2666300" cy="1473116"/>
+          </a:xfrm>
+        </p:grpSpPr>
+        <p:pic>
+          <p:nvPicPr>
+            <p:cNvPr id="10" name="图片 9">
+              <a:extLst>
+                <a:ext uri="{FF2B5EF4-FFF2-40B4-BE49-F238E27FC236}">
+                  <a16:creationId xmlns:a16="http://schemas.microsoft.com/office/drawing/2014/main" id="{98A36D21-3D5E-4643-A039-042B597ACF2E}"/>
+                </a:ext>
+              </a:extLst>
+            </p:cNvPr>
+            <p:cNvPicPr>
+              <a:picLocks noChangeAspect="1"/>
+            </p:cNvPicPr>
+            <p:nvPr/>
+          </p:nvPicPr>
+          <p:blipFill>
+            <a:blip r:embed="rId2">
+              <a:extLst>
+                <a:ext uri="{28A0092B-C50C-407E-A947-70E740481C1C}">
+                  <a14:useLocalDpi xmlns:a14="http://schemas.microsoft.com/office/drawing/2010/main" val="0"/>
+                </a:ext>
+              </a:extLst>
+            </a:blip>
+            <a:stretch>
+              <a:fillRect/>
+            </a:stretch>
+          </p:blipFill>
+          <p:spPr>
+            <a:xfrm>
+              <a:off x="4558019" y="3616354"/>
+              <a:ext cx="1219200" cy="1219200"/>
+            </a:xfrm>
+            <a:prstGeom prst="rect">
+              <a:avLst/>
+            </a:prstGeom>
+          </p:spPr>
+        </p:pic>
+        <p:pic>
+          <p:nvPicPr>
+            <p:cNvPr id="12" name="图片 11">
+              <a:extLst>
+                <a:ext uri="{FF2B5EF4-FFF2-40B4-BE49-F238E27FC236}">
+                  <a16:creationId xmlns:a16="http://schemas.microsoft.com/office/drawing/2014/main" id="{CAD79A86-FBC1-467E-9787-E4D2B68A62B0}"/>
+                </a:ext>
+              </a:extLst>
+            </p:cNvPr>
+            <p:cNvPicPr>
+              <a:picLocks noChangeAspect="1"/>
+            </p:cNvPicPr>
+            <p:nvPr/>
+          </p:nvPicPr>
+          <p:blipFill>
+            <a:blip r:embed="rId4">
+              <a:extLst>
+                <a:ext uri="{28A0092B-C50C-407E-A947-70E740481C1C}">
+                  <a14:useLocalDpi xmlns:a14="http://schemas.microsoft.com/office/drawing/2010/main" val="0"/>
+                </a:ext>
+              </a:extLst>
+            </a:blip>
+            <a:stretch>
+              <a:fillRect/>
+            </a:stretch>
+          </p:blipFill>
+          <p:spPr>
+            <a:xfrm>
+              <a:off x="6005119" y="3616354"/>
+              <a:ext cx="1219200" cy="1219200"/>
+            </a:xfrm>
+            <a:prstGeom prst="rect">
+              <a:avLst/>
+            </a:prstGeom>
+          </p:spPr>
+        </p:pic>
         <p:sp>
           <p:nvSpPr>
-            <p:cNvPr id="18" name="文本框 17">
+            <p:cNvPr id="15" name="文本框 14">
               <a:extLst>
                 <a:ext uri="{FF2B5EF4-FFF2-40B4-BE49-F238E27FC236}">
-                  <a16:creationId xmlns:a16="http://schemas.microsoft.com/office/drawing/2014/main" id="{F88376BD-E0D4-4EAC-A54D-C01FFDADC0E2}"/>
+                  <a16:creationId xmlns:a16="http://schemas.microsoft.com/office/drawing/2014/main" id="{EAAC8CFD-B36F-4C1F-8E88-7A3D05F6B216}"/>
                 </a:ext>
               </a:extLst>
             </p:cNvPr>
@@ -3602,8 +3601,8 @@
           </p:nvSpPr>
           <p:spPr>
             <a:xfrm>
-              <a:off x="4797879" y="3047463"/>
-              <a:ext cx="325072" cy="369332"/>
+              <a:off x="4867712" y="4835554"/>
+              <a:ext cx="872455" cy="253916"/>
             </a:xfrm>
             <a:prstGeom prst="rect">
               <a:avLst/>
@@ -3611,315 +3610,27 @@
             <a:noFill/>
           </p:spPr>
           <p:txBody>
-            <a:bodyPr wrap="square">
+            <a:bodyPr wrap="square" rtlCol="0">
               <a:spAutoFit/>
             </a:bodyPr>
             <a:lstStyle/>
             <a:p>
               <a:r>
-                <a:rPr lang="en-US" altLang="zh-CN" i="1" dirty="0">
-                  <a:latin typeface="Times New Roman" panose="02020603050405020304" pitchFamily="18" charset="0"/>
-                  <a:cs typeface="Times New Roman" panose="02020603050405020304" pitchFamily="18" charset="0"/>
+                <a:rPr lang="zh-CN" altLang="en-US" sz="1050" dirty="0">
+                  <a:latin typeface="宋体" panose="02010600030101010101" pitchFamily="2" charset="-122"/>
+                  <a:ea typeface="宋体" panose="02010600030101010101" pitchFamily="2" charset="-122"/>
                 </a:rPr>
-                <a:t>b</a:t>
+                <a:t>输入图像</a:t>
               </a:r>
-              <a:endParaRPr lang="zh-CN" altLang="en-US" i="1" dirty="0">
-                <a:latin typeface="Times New Roman" panose="02020603050405020304" pitchFamily="18" charset="0"/>
-                <a:cs typeface="Times New Roman" panose="02020603050405020304" pitchFamily="18" charset="0"/>
-              </a:endParaRPr>
             </a:p>
           </p:txBody>
         </p:sp>
         <p:sp>
           <p:nvSpPr>
-            <p:cNvPr id="40" name="任意多边形: 形状 39">
+            <p:cNvPr id="16" name="文本框 15">
               <a:extLst>
                 <a:ext uri="{FF2B5EF4-FFF2-40B4-BE49-F238E27FC236}">
-                  <a16:creationId xmlns:a16="http://schemas.microsoft.com/office/drawing/2014/main" id="{2BE581B4-23D4-4828-837D-07100B1910A5}"/>
-                </a:ext>
-              </a:extLst>
-            </p:cNvPr>
-            <p:cNvSpPr/>
-            <p:nvPr/>
-          </p:nvSpPr>
-          <p:spPr>
-            <a:xfrm>
-              <a:off x="3244265" y="1559084"/>
-              <a:ext cx="1716150" cy="993616"/>
-            </a:xfrm>
-            <a:custGeom>
-              <a:avLst/>
-              <a:gdLst>
-                <a:gd name="connsiteX0" fmla="*/ 0 w 1434259"/>
-                <a:gd name="connsiteY0" fmla="*/ 696062 h 696064"/>
-                <a:gd name="connsiteX1" fmla="*/ 494951 w 1434259"/>
-                <a:gd name="connsiteY1" fmla="*/ 66888 h 696064"/>
-                <a:gd name="connsiteX2" fmla="*/ 939567 w 1434259"/>
-                <a:gd name="connsiteY2" fmla="*/ 696062 h 696064"/>
-                <a:gd name="connsiteX3" fmla="*/ 1375795 w 1434259"/>
-                <a:gd name="connsiteY3" fmla="*/ 75277 h 696064"/>
-                <a:gd name="connsiteX4" fmla="*/ 1417740 w 1434259"/>
-                <a:gd name="connsiteY4" fmla="*/ 33332 h 696064"/>
-              </a:gdLst>
-              <a:ahLst/>
-              <a:cxnLst>
-                <a:cxn ang="0">
-                  <a:pos x="connsiteX0" y="connsiteY0"/>
-                </a:cxn>
-                <a:cxn ang="0">
-                  <a:pos x="connsiteX1" y="connsiteY1"/>
-                </a:cxn>
-                <a:cxn ang="0">
-                  <a:pos x="connsiteX2" y="connsiteY2"/>
-                </a:cxn>
-                <a:cxn ang="0">
-                  <a:pos x="connsiteX3" y="connsiteY3"/>
-                </a:cxn>
-                <a:cxn ang="0">
-                  <a:pos x="connsiteX4" y="connsiteY4"/>
-                </a:cxn>
-              </a:cxnLst>
-              <a:rect l="l" t="t" r="r" b="b"/>
-              <a:pathLst>
-                <a:path w="1434259" h="696064">
-                  <a:moveTo>
-                    <a:pt x="0" y="696062"/>
-                  </a:moveTo>
-                  <a:cubicBezTo>
-                    <a:pt x="169178" y="381475"/>
-                    <a:pt x="338357" y="66888"/>
-                    <a:pt x="494951" y="66888"/>
-                  </a:cubicBezTo>
-                  <a:cubicBezTo>
-                    <a:pt x="651545" y="66888"/>
-                    <a:pt x="792760" y="694664"/>
-                    <a:pt x="939567" y="696062"/>
-                  </a:cubicBezTo>
-                  <a:cubicBezTo>
-                    <a:pt x="1086374" y="697460"/>
-                    <a:pt x="1296100" y="185732"/>
-                    <a:pt x="1375795" y="75277"/>
-                  </a:cubicBezTo>
-                  <a:cubicBezTo>
-                    <a:pt x="1455490" y="-35178"/>
-                    <a:pt x="1436615" y="-923"/>
-                    <a:pt x="1417740" y="33332"/>
-                  </a:cubicBezTo>
-                </a:path>
-              </a:pathLst>
-            </a:custGeom>
-            <a:noFill/>
-            <a:ln w="22225">
-              <a:solidFill>
-                <a:schemeClr val="tx1"/>
-              </a:solidFill>
-            </a:ln>
-          </p:spPr>
-          <p:style>
-            <a:lnRef idx="2">
-              <a:schemeClr val="accent1">
-                <a:shade val="50000"/>
-              </a:schemeClr>
-            </a:lnRef>
-            <a:fillRef idx="1">
-              <a:schemeClr val="accent1"/>
-            </a:fillRef>
-            <a:effectRef idx="0">
-              <a:schemeClr val="accent1"/>
-            </a:effectRef>
-            <a:fontRef idx="minor">
-              <a:schemeClr val="lt1"/>
-            </a:fontRef>
-          </p:style>
-          <p:txBody>
-            <a:bodyPr rtlCol="0" anchor="ctr"/>
-            <a:lstStyle/>
-            <a:p>
-              <a:pPr algn="ctr"/>
-              <a:endParaRPr lang="zh-CN" altLang="en-US" dirty="0"/>
-            </a:p>
-          </p:txBody>
-        </p:sp>
-        <p:sp>
-          <p:nvSpPr>
-            <p:cNvPr id="41" name="椭圆 40">
-              <a:extLst>
-                <a:ext uri="{FF2B5EF4-FFF2-40B4-BE49-F238E27FC236}">
-                  <a16:creationId xmlns:a16="http://schemas.microsoft.com/office/drawing/2014/main" id="{FC27983C-362B-4D60-A32D-D360576594A3}"/>
-                </a:ext>
-              </a:extLst>
-            </p:cNvPr>
-            <p:cNvSpPr/>
-            <p:nvPr/>
-          </p:nvSpPr>
-          <p:spPr>
-            <a:xfrm>
-              <a:off x="3221405" y="2506981"/>
-              <a:ext cx="45719" cy="45719"/>
-            </a:xfrm>
-            <a:prstGeom prst="ellipse">
-              <a:avLst/>
-            </a:prstGeom>
-          </p:spPr>
-          <p:style>
-            <a:lnRef idx="2">
-              <a:schemeClr val="dk1">
-                <a:shade val="50000"/>
-              </a:schemeClr>
-            </a:lnRef>
-            <a:fillRef idx="1">
-              <a:schemeClr val="dk1"/>
-            </a:fillRef>
-            <a:effectRef idx="0">
-              <a:schemeClr val="dk1"/>
-            </a:effectRef>
-            <a:fontRef idx="minor">
-              <a:schemeClr val="lt1"/>
-            </a:fontRef>
-          </p:style>
-          <p:txBody>
-            <a:bodyPr rtlCol="0" anchor="ctr"/>
-            <a:lstStyle/>
-            <a:p>
-              <a:pPr algn="ctr"/>
-              <a:endParaRPr lang="zh-CN" altLang="en-US"/>
-            </a:p>
-          </p:txBody>
-        </p:sp>
-        <p:sp>
-          <p:nvSpPr>
-            <p:cNvPr id="42" name="椭圆 41">
-              <a:extLst>
-                <a:ext uri="{FF2B5EF4-FFF2-40B4-BE49-F238E27FC236}">
-                  <a16:creationId xmlns:a16="http://schemas.microsoft.com/office/drawing/2014/main" id="{2AA411DD-B75B-48CC-83E1-EACF5CCB3026}"/>
-                </a:ext>
-              </a:extLst>
-            </p:cNvPr>
-            <p:cNvSpPr/>
-            <p:nvPr/>
-          </p:nvSpPr>
-          <p:spPr>
-            <a:xfrm flipV="1">
-              <a:off x="4935446" y="1536223"/>
-              <a:ext cx="45719" cy="45719"/>
-            </a:xfrm>
-            <a:prstGeom prst="ellipse">
-              <a:avLst/>
-            </a:prstGeom>
-          </p:spPr>
-          <p:style>
-            <a:lnRef idx="2">
-              <a:schemeClr val="dk1">
-                <a:shade val="50000"/>
-              </a:schemeClr>
-            </a:lnRef>
-            <a:fillRef idx="1">
-              <a:schemeClr val="dk1"/>
-            </a:fillRef>
-            <a:effectRef idx="0">
-              <a:schemeClr val="dk1"/>
-            </a:effectRef>
-            <a:fontRef idx="minor">
-              <a:schemeClr val="lt1"/>
-            </a:fontRef>
-          </p:style>
-          <p:txBody>
-            <a:bodyPr rtlCol="0" anchor="ctr"/>
-            <a:lstStyle/>
-            <a:p>
-              <a:pPr algn="ctr"/>
-              <a:endParaRPr lang="zh-CN" altLang="en-US"/>
-            </a:p>
-          </p:txBody>
-        </p:sp>
-        <p:cxnSp>
-          <p:nvCxnSpPr>
-            <p:cNvPr id="47" name="直接连接符 46">
-              <a:extLst>
-                <a:ext uri="{FF2B5EF4-FFF2-40B4-BE49-F238E27FC236}">
-                  <a16:creationId xmlns:a16="http://schemas.microsoft.com/office/drawing/2014/main" id="{53C77C84-B367-4B32-AA48-0A3621D1A9E1}"/>
-                </a:ext>
-              </a:extLst>
-            </p:cNvPr>
-            <p:cNvCxnSpPr>
-              <a:cxnSpLocks/>
-            </p:cNvCxnSpPr>
-            <p:nvPr/>
-          </p:nvCxnSpPr>
-          <p:spPr>
-            <a:xfrm>
-              <a:off x="3255694" y="2532652"/>
-              <a:ext cx="0" cy="559071"/>
-            </a:xfrm>
-            <a:prstGeom prst="line">
-              <a:avLst/>
-            </a:prstGeom>
-            <a:ln w="19050">
-              <a:prstDash val="lgDash"/>
-            </a:ln>
-          </p:spPr>
-          <p:style>
-            <a:lnRef idx="1">
-              <a:schemeClr val="dk1"/>
-            </a:lnRef>
-            <a:fillRef idx="0">
-              <a:schemeClr val="dk1"/>
-            </a:fillRef>
-            <a:effectRef idx="0">
-              <a:schemeClr val="dk1"/>
-            </a:effectRef>
-            <a:fontRef idx="minor">
-              <a:schemeClr val="tx1"/>
-            </a:fontRef>
-          </p:style>
-        </p:cxnSp>
-        <p:cxnSp>
-          <p:nvCxnSpPr>
-            <p:cNvPr id="49" name="直接连接符 48">
-              <a:extLst>
-                <a:ext uri="{FF2B5EF4-FFF2-40B4-BE49-F238E27FC236}">
-                  <a16:creationId xmlns:a16="http://schemas.microsoft.com/office/drawing/2014/main" id="{4EE82AC0-31EA-47AB-879D-10CD3AAE0F5B}"/>
-                </a:ext>
-              </a:extLst>
-            </p:cNvPr>
-            <p:cNvCxnSpPr>
-              <a:cxnSpLocks/>
-            </p:cNvCxnSpPr>
-            <p:nvPr/>
-          </p:nvCxnSpPr>
-          <p:spPr>
-            <a:xfrm>
-              <a:off x="4958305" y="1581942"/>
-              <a:ext cx="0" cy="1509781"/>
-            </a:xfrm>
-            <a:prstGeom prst="line">
-              <a:avLst/>
-            </a:prstGeom>
-            <a:ln w="19050">
-              <a:prstDash val="lgDash"/>
-            </a:ln>
-          </p:spPr>
-          <p:style>
-            <a:lnRef idx="1">
-              <a:schemeClr val="dk1"/>
-            </a:lnRef>
-            <a:fillRef idx="0">
-              <a:schemeClr val="dk1"/>
-            </a:fillRef>
-            <a:effectRef idx="0">
-              <a:schemeClr val="dk1"/>
-            </a:effectRef>
-            <a:fontRef idx="minor">
-              <a:schemeClr val="tx1"/>
-            </a:fontRef>
-          </p:style>
-        </p:cxnSp>
-        <p:sp>
-          <p:nvSpPr>
-            <p:cNvPr id="51" name="文本框 50">
-              <a:extLst>
-                <a:ext uri="{FF2B5EF4-FFF2-40B4-BE49-F238E27FC236}">
-                  <a16:creationId xmlns:a16="http://schemas.microsoft.com/office/drawing/2014/main" id="{1C2C12DA-2728-4A46-83D8-22C9384B86DA}"/>
+                  <a16:creationId xmlns:a16="http://schemas.microsoft.com/office/drawing/2014/main" id="{05FC1371-100A-429B-8422-FDB62CE1640B}"/>
                 </a:ext>
               </a:extLst>
             </p:cNvPr>
@@ -3928,8 +3639,8 @@
           </p:nvSpPr>
           <p:spPr>
             <a:xfrm>
-              <a:off x="3104588" y="3047463"/>
-              <a:ext cx="325072" cy="369332"/>
+              <a:off x="6284751" y="4835554"/>
+              <a:ext cx="872455" cy="253916"/>
             </a:xfrm>
             <a:prstGeom prst="rect">
               <a:avLst/>
@@ -3937,239 +3648,26 @@
             <a:noFill/>
           </p:spPr>
           <p:txBody>
-            <a:bodyPr wrap="square">
+            <a:bodyPr wrap="square" rtlCol="0">
               <a:spAutoFit/>
             </a:bodyPr>
             <a:lstStyle/>
             <a:p>
               <a:r>
-                <a:rPr lang="en-US" altLang="zh-CN" i="1" dirty="0">
-                  <a:latin typeface="Times New Roman" panose="02020603050405020304" pitchFamily="18" charset="0"/>
-                  <a:cs typeface="Times New Roman" panose="02020603050405020304" pitchFamily="18" charset="0"/>
+                <a:rPr lang="zh-CN" altLang="en-US" sz="1050" dirty="0">
+                  <a:latin typeface="宋体" panose="02010600030101010101" pitchFamily="2" charset="-122"/>
+                  <a:ea typeface="宋体" panose="02010600030101010101" pitchFamily="2" charset="-122"/>
                 </a:rPr>
-                <a:t>a</a:t>
+                <a:t>输出边缘</a:t>
               </a:r>
-              <a:endParaRPr lang="zh-CN" altLang="en-US" i="1" dirty="0">
-                <a:latin typeface="Times New Roman" panose="02020603050405020304" pitchFamily="18" charset="0"/>
-                <a:cs typeface="Times New Roman" panose="02020603050405020304" pitchFamily="18" charset="0"/>
-              </a:endParaRPr>
             </a:p>
           </p:txBody>
         </p:sp>
-        <p:sp>
-          <p:nvSpPr>
-            <p:cNvPr id="52" name="文本框 51">
-              <a:extLst>
-                <a:ext uri="{FF2B5EF4-FFF2-40B4-BE49-F238E27FC236}">
-                  <a16:creationId xmlns:a16="http://schemas.microsoft.com/office/drawing/2014/main" id="{348910E5-5635-4B57-9CF1-E9BA7CE0C05C}"/>
-                </a:ext>
-              </a:extLst>
-            </p:cNvPr>
-            <p:cNvSpPr txBox="1"/>
-            <p:nvPr/>
-          </p:nvSpPr>
-          <p:spPr>
-            <a:xfrm>
-              <a:off x="5042738" y="3022042"/>
-              <a:ext cx="325072" cy="369332"/>
-            </a:xfrm>
-            <a:prstGeom prst="rect">
-              <a:avLst/>
-            </a:prstGeom>
-            <a:noFill/>
-          </p:spPr>
-          <p:txBody>
-            <a:bodyPr wrap="square">
-              <a:spAutoFit/>
-            </a:bodyPr>
-            <a:lstStyle/>
-            <a:p>
-              <a:r>
-                <a:rPr lang="en-US" altLang="zh-CN" i="1" dirty="0">
-                  <a:latin typeface="Times New Roman" panose="02020603050405020304" pitchFamily="18" charset="0"/>
-                  <a:cs typeface="Times New Roman" panose="02020603050405020304" pitchFamily="18" charset="0"/>
-                </a:rPr>
-                <a:t>x</a:t>
-              </a:r>
-              <a:endParaRPr lang="zh-CN" altLang="en-US" i="1" dirty="0">
-                <a:latin typeface="Times New Roman" panose="02020603050405020304" pitchFamily="18" charset="0"/>
-                <a:cs typeface="Times New Roman" panose="02020603050405020304" pitchFamily="18" charset="0"/>
-              </a:endParaRPr>
-            </a:p>
-          </p:txBody>
-        </p:sp>
-        <p:sp>
-          <p:nvSpPr>
-            <p:cNvPr id="56" name="文本框 55">
-              <a:extLst>
-                <a:ext uri="{FF2B5EF4-FFF2-40B4-BE49-F238E27FC236}">
-                  <a16:creationId xmlns:a16="http://schemas.microsoft.com/office/drawing/2014/main" id="{E28DFB29-7307-4D3D-8241-1980291E5D4E}"/>
-                </a:ext>
-              </a:extLst>
-            </p:cNvPr>
-            <p:cNvSpPr txBox="1"/>
-            <p:nvPr/>
-          </p:nvSpPr>
-          <p:spPr>
-            <a:xfrm>
-              <a:off x="2632500" y="2353060"/>
-              <a:ext cx="325072" cy="369332"/>
-            </a:xfrm>
-            <a:prstGeom prst="rect">
-              <a:avLst/>
-            </a:prstGeom>
-            <a:noFill/>
-          </p:spPr>
-          <p:txBody>
-            <a:bodyPr wrap="square">
-              <a:spAutoFit/>
-            </a:bodyPr>
-            <a:lstStyle/>
-            <a:p>
-              <a:r>
-                <a:rPr lang="en-US" altLang="zh-CN" i="1" dirty="0">
-                  <a:latin typeface="Times New Roman" panose="02020603050405020304" pitchFamily="18" charset="0"/>
-                  <a:cs typeface="Times New Roman" panose="02020603050405020304" pitchFamily="18" charset="0"/>
-                </a:rPr>
-                <a:t>m</a:t>
-              </a:r>
-              <a:endParaRPr lang="zh-CN" altLang="en-US" i="1" dirty="0">
-                <a:latin typeface="Times New Roman" panose="02020603050405020304" pitchFamily="18" charset="0"/>
-                <a:cs typeface="Times New Roman" panose="02020603050405020304" pitchFamily="18" charset="0"/>
-              </a:endParaRPr>
-            </a:p>
-          </p:txBody>
-        </p:sp>
-        <p:sp>
-          <p:nvSpPr>
-            <p:cNvPr id="57" name="文本框 56">
-              <a:extLst>
-                <a:ext uri="{FF2B5EF4-FFF2-40B4-BE49-F238E27FC236}">
-                  <a16:creationId xmlns:a16="http://schemas.microsoft.com/office/drawing/2014/main" id="{DA282960-5A74-4ECF-BF15-11DA2AE578F5}"/>
-                </a:ext>
-              </a:extLst>
-            </p:cNvPr>
-            <p:cNvSpPr txBox="1"/>
-            <p:nvPr/>
-          </p:nvSpPr>
-          <p:spPr>
-            <a:xfrm>
-              <a:off x="2570570" y="1443713"/>
-              <a:ext cx="325072" cy="369332"/>
-            </a:xfrm>
-            <a:prstGeom prst="rect">
-              <a:avLst/>
-            </a:prstGeom>
-            <a:noFill/>
-          </p:spPr>
-          <p:txBody>
-            <a:bodyPr wrap="square">
-              <a:spAutoFit/>
-            </a:bodyPr>
-            <a:lstStyle/>
-            <a:p>
-              <a:r>
-                <a:rPr lang="en-US" altLang="zh-CN" i="1" dirty="0">
-                  <a:latin typeface="Times New Roman" panose="02020603050405020304" pitchFamily="18" charset="0"/>
-                  <a:cs typeface="Times New Roman" panose="02020603050405020304" pitchFamily="18" charset="0"/>
-                </a:rPr>
-                <a:t>M</a:t>
-              </a:r>
-              <a:endParaRPr lang="zh-CN" altLang="en-US" i="1" dirty="0">
-                <a:latin typeface="Times New Roman" panose="02020603050405020304" pitchFamily="18" charset="0"/>
-                <a:cs typeface="Times New Roman" panose="02020603050405020304" pitchFamily="18" charset="0"/>
-              </a:endParaRPr>
-            </a:p>
-          </p:txBody>
-        </p:sp>
-        <p:cxnSp>
-          <p:nvCxnSpPr>
-            <p:cNvPr id="59" name="直接连接符 58">
-              <a:extLst>
-                <a:ext uri="{FF2B5EF4-FFF2-40B4-BE49-F238E27FC236}">
-                  <a16:creationId xmlns:a16="http://schemas.microsoft.com/office/drawing/2014/main" id="{DD63B9D6-7E3C-469E-8C7D-594F885730AF}"/>
-                </a:ext>
-              </a:extLst>
-            </p:cNvPr>
-            <p:cNvCxnSpPr>
-              <a:cxnSpLocks/>
-              <a:endCxn id="40" idx="1"/>
-            </p:cNvCxnSpPr>
-            <p:nvPr/>
-          </p:nvCxnSpPr>
-          <p:spPr>
-            <a:xfrm>
-              <a:off x="2929077" y="1654565"/>
-              <a:ext cx="907417" cy="0"/>
-            </a:xfrm>
-            <a:prstGeom prst="line">
-              <a:avLst/>
-            </a:prstGeom>
-            <a:ln w="19050">
-              <a:prstDash val="lgDash"/>
-            </a:ln>
-          </p:spPr>
-          <p:style>
-            <a:lnRef idx="1">
-              <a:schemeClr val="dk1"/>
-            </a:lnRef>
-            <a:fillRef idx="0">
-              <a:schemeClr val="dk1"/>
-            </a:fillRef>
-            <a:effectRef idx="0">
-              <a:schemeClr val="dk1"/>
-            </a:effectRef>
-            <a:fontRef idx="minor">
-              <a:schemeClr val="tx1"/>
-            </a:fontRef>
-          </p:style>
-        </p:cxnSp>
-        <p:cxnSp>
-          <p:nvCxnSpPr>
-            <p:cNvPr id="71" name="直接连接符 70">
-              <a:extLst>
-                <a:ext uri="{FF2B5EF4-FFF2-40B4-BE49-F238E27FC236}">
-                  <a16:creationId xmlns:a16="http://schemas.microsoft.com/office/drawing/2014/main" id="{F65EDFB1-2B04-44C0-96F7-05F89C9AA26A}"/>
-                </a:ext>
-              </a:extLst>
-            </p:cNvPr>
-            <p:cNvCxnSpPr>
-              <a:cxnSpLocks/>
-            </p:cNvCxnSpPr>
-            <p:nvPr/>
-          </p:nvCxnSpPr>
-          <p:spPr>
-            <a:xfrm>
-              <a:off x="2951937" y="2552700"/>
-              <a:ext cx="1385140" cy="5743"/>
-            </a:xfrm>
-            <a:prstGeom prst="line">
-              <a:avLst/>
-            </a:prstGeom>
-            <a:ln w="19050">
-              <a:prstDash val="lgDash"/>
-            </a:ln>
-          </p:spPr>
-          <p:style>
-            <a:lnRef idx="1">
-              <a:schemeClr val="dk1"/>
-            </a:lnRef>
-            <a:fillRef idx="0">
-              <a:schemeClr val="dk1"/>
-            </a:fillRef>
-            <a:effectRef idx="0">
-              <a:schemeClr val="dk1"/>
-            </a:effectRef>
-            <a:fontRef idx="minor">
-              <a:schemeClr val="tx1"/>
-            </a:fontRef>
-          </p:style>
-        </p:cxnSp>
       </p:grpSp>
     </p:spTree>
     <p:extLst>
       <p:ext uri="{BB962C8B-B14F-4D97-AF65-F5344CB8AC3E}">
-        <p14:creationId xmlns:p14="http://schemas.microsoft.com/office/powerpoint/2010/main" val="3421028226"/>
+        <p14:creationId xmlns:p14="http://schemas.microsoft.com/office/powerpoint/2010/main" val="63398475"/>
       </p:ext>
     </p:extLst>
   </p:cSld>
